--- a/eostalk/EOS Talk Poznan.pptx
+++ b/eostalk/EOS Talk Poznan.pptx
@@ -9252,13 +9252,16 @@
         <a:p>
           <a:r>
             <a:rPr lang="en-US" dirty="0"/>
-            <a:t>The EOS blockchain goes live in June 2018</a:t>
+            <a:t>The EOS blockchain</a:t>
           </a:r>
           <a:r>
-            <a:rPr lang="pl-PL"/>
-            <a:t>, most probably with the parallel processing feature already enabled</a:t>
+            <a:rPr lang="pl-PL" dirty="0"/>
+            <a:t>(s)</a:t>
           </a:r>
-          <a:endParaRPr lang="en-US" dirty="0"/>
+          <a:r>
+            <a:rPr lang="en-US" dirty="0"/>
+            <a:t> goes live in June 2018</a:t>
+          </a:r>
         </a:p>
       </dgm:t>
     </dgm:pt>
@@ -9374,7 +9377,10 @@
       <dgm:prSet presAssocID="{D4F4E89A-7265-4A14-B9A8-ADBA0033C1FD}" presName="circleA" presStyleLbl="node1" presStyleIdx="0" presStyleCnt="6"/>
       <dgm:spPr>
         <a:solidFill>
-          <a:schemeClr val="tx2"/>
+          <a:schemeClr val="bg1">
+            <a:lumMod val="65000"/>
+            <a:lumOff val="35000"/>
+          </a:schemeClr>
         </a:solidFill>
       </dgm:spPr>
     </dgm:pt>
@@ -9402,7 +9408,10 @@
       <dgm:prSet presAssocID="{EEFBC11B-F469-4659-9916-C2B5BCE9C2F1}" presName="circleB" presStyleLbl="node1" presStyleIdx="1" presStyleCnt="6"/>
       <dgm:spPr>
         <a:solidFill>
-          <a:schemeClr val="tx2"/>
+          <a:schemeClr val="bg1">
+            <a:lumMod val="65000"/>
+            <a:lumOff val="35000"/>
+          </a:schemeClr>
         </a:solidFill>
       </dgm:spPr>
     </dgm:pt>
@@ -9430,7 +9439,10 @@
       <dgm:prSet presAssocID="{96A30872-F0F1-47D2-931C-64B93E948880}" presName="circleA" presStyleLbl="node1" presStyleIdx="2" presStyleCnt="6"/>
       <dgm:spPr>
         <a:solidFill>
-          <a:schemeClr val="tx2"/>
+          <a:schemeClr val="bg1">
+            <a:lumMod val="65000"/>
+            <a:lumOff val="35000"/>
+          </a:schemeClr>
         </a:solidFill>
       </dgm:spPr>
     </dgm:pt>
@@ -9458,9 +9470,7 @@
       <dgm:prSet presAssocID="{49D8506A-8780-49E3-BCBB-1704C48967C0}" presName="circleB" presStyleLbl="node1" presStyleIdx="3" presStyleCnt="6"/>
       <dgm:spPr>
         <a:solidFill>
-          <a:schemeClr val="tx1">
-            <a:lumMod val="50000"/>
-          </a:schemeClr>
+          <a:schemeClr val="tx2"/>
         </a:solidFill>
       </dgm:spPr>
     </dgm:pt>
@@ -12427,12 +12437,12 @@
         <a:fontRef idx="minor"/>
       </dsp:style>
       <dsp:txBody>
-        <a:bodyPr spcFirstLastPara="0" vert="horz" wrap="square" lIns="92456" tIns="92456" rIns="92456" bIns="92456" numCol="1" spcCol="1270" anchor="b" anchorCtr="0">
+        <a:bodyPr spcFirstLastPara="0" vert="horz" wrap="square" lIns="106680" tIns="106680" rIns="106680" bIns="106680" numCol="1" spcCol="1270" anchor="b" anchorCtr="0">
           <a:noAutofit/>
         </a:bodyPr>
         <a:lstStyle/>
         <a:p>
-          <a:pPr marL="0" lvl="0" indent="0" algn="ctr" defTabSz="577850">
+          <a:pPr marL="0" lvl="0" indent="0" algn="ctr" defTabSz="666750">
             <a:lnSpc>
               <a:spcPct val="90000"/>
             </a:lnSpc>
@@ -12445,11 +12455,11 @@
             <a:buNone/>
           </a:pPr>
           <a:r>
-            <a:rPr lang="pl-PL" sz="1300" kern="1200" dirty="0"/>
+            <a:rPr lang="pl-PL" sz="1500" kern="1200" dirty="0"/>
             <a:t>Project s</a:t>
           </a:r>
           <a:r>
-            <a:rPr lang="en-US" sz="1300" kern="1200" dirty="0"/>
+            <a:rPr lang="en-US" sz="1500" kern="1200" dirty="0"/>
             <a:t>tarted in Q1 2017</a:t>
           </a:r>
         </a:p>
@@ -12473,7 +12483,10 @@
           <a:avLst/>
         </a:prstGeom>
         <a:solidFill>
-          <a:schemeClr val="tx2"/>
+          <a:schemeClr val="bg1">
+            <a:lumMod val="65000"/>
+            <a:lumOff val="35000"/>
+          </a:schemeClr>
         </a:solidFill>
         <a:ln w="15875" cap="flat" cmpd="sng" algn="ctr">
           <a:solidFill>
@@ -12535,12 +12548,12 @@
         <a:fontRef idx="minor"/>
       </dsp:style>
       <dsp:txBody>
-        <a:bodyPr spcFirstLastPara="0" vert="horz" wrap="square" lIns="92456" tIns="92456" rIns="92456" bIns="92456" numCol="1" spcCol="1270" anchor="t" anchorCtr="0">
+        <a:bodyPr spcFirstLastPara="0" vert="horz" wrap="square" lIns="106680" tIns="106680" rIns="106680" bIns="106680" numCol="1" spcCol="1270" anchor="t" anchorCtr="0">
           <a:noAutofit/>
         </a:bodyPr>
         <a:lstStyle/>
         <a:p>
-          <a:pPr marL="0" lvl="0" indent="0" algn="ctr" defTabSz="577850">
+          <a:pPr marL="0" lvl="0" indent="0" algn="ctr" defTabSz="666750">
             <a:lnSpc>
               <a:spcPct val="90000"/>
             </a:lnSpc>
@@ -12553,7 +12566,7 @@
             <a:buNone/>
           </a:pPr>
           <a:r>
-            <a:rPr lang="en-US" sz="1300" kern="1200" dirty="0"/>
+            <a:rPr lang="en-US" sz="1500" kern="1200" dirty="0"/>
             <a:t>MVP stage called EOS Dawn 1.0</a:t>
           </a:r>
         </a:p>
@@ -12577,7 +12590,10 @@
           <a:avLst/>
         </a:prstGeom>
         <a:solidFill>
-          <a:schemeClr val="tx2"/>
+          <a:schemeClr val="bg1">
+            <a:lumMod val="65000"/>
+            <a:lumOff val="35000"/>
+          </a:schemeClr>
         </a:solidFill>
         <a:ln w="15875" cap="flat" cmpd="sng" algn="ctr">
           <a:solidFill>
@@ -12639,12 +12655,12 @@
         <a:fontRef idx="minor"/>
       </dsp:style>
       <dsp:txBody>
-        <a:bodyPr spcFirstLastPara="0" vert="horz" wrap="square" lIns="92456" tIns="92456" rIns="92456" bIns="92456" numCol="1" spcCol="1270" anchor="b" anchorCtr="0">
+        <a:bodyPr spcFirstLastPara="0" vert="horz" wrap="square" lIns="106680" tIns="106680" rIns="106680" bIns="106680" numCol="1" spcCol="1270" anchor="b" anchorCtr="0">
           <a:noAutofit/>
         </a:bodyPr>
         <a:lstStyle/>
         <a:p>
-          <a:pPr marL="0" lvl="0" indent="0" algn="ctr" defTabSz="577850">
+          <a:pPr marL="0" lvl="0" indent="0" algn="ctr" defTabSz="666750">
             <a:lnSpc>
               <a:spcPct val="90000"/>
             </a:lnSpc>
@@ -12657,24 +12673,24 @@
             <a:buNone/>
           </a:pPr>
           <a:r>
-            <a:rPr lang="pl-PL" sz="1300" kern="1200" dirty="0"/>
+            <a:rPr lang="pl-PL" sz="1500" kern="1200" dirty="0"/>
             <a:t>December 2017</a:t>
           </a:r>
           <a:br>
-            <a:rPr lang="pl-PL" sz="1300" kern="1200" dirty="0"/>
+            <a:rPr lang="pl-PL" sz="1500" kern="1200" dirty="0"/>
           </a:br>
           <a:r>
-            <a:rPr lang="pl-PL" sz="1300" kern="1200" dirty="0"/>
+            <a:rPr lang="pl-PL" sz="1500" kern="1200" dirty="0"/>
             <a:t>EOS Dawn 2.0</a:t>
           </a:r>
           <a:br>
-            <a:rPr lang="pl-PL" sz="1300" kern="1200" dirty="0"/>
+            <a:rPr lang="pl-PL" sz="1500" kern="1200" dirty="0"/>
           </a:br>
           <a:r>
-            <a:rPr lang="pl-PL" sz="1300" kern="1200" dirty="0"/>
+            <a:rPr lang="pl-PL" sz="1500" kern="1200" dirty="0"/>
             <a:t>Public testnet</a:t>
           </a:r>
-          <a:endParaRPr lang="en-US" sz="1300" kern="1200" dirty="0"/>
+          <a:endParaRPr lang="en-US" sz="1500" kern="1200" dirty="0"/>
         </a:p>
       </dsp:txBody>
       <dsp:txXfrm>
@@ -12696,7 +12712,10 @@
           <a:avLst/>
         </a:prstGeom>
         <a:solidFill>
-          <a:schemeClr val="tx2"/>
+          <a:schemeClr val="bg1">
+            <a:lumMod val="65000"/>
+            <a:lumOff val="35000"/>
+          </a:schemeClr>
         </a:solidFill>
         <a:ln w="15875" cap="flat" cmpd="sng" algn="ctr">
           <a:solidFill>
@@ -12758,12 +12777,12 @@
         <a:fontRef idx="minor"/>
       </dsp:style>
       <dsp:txBody>
-        <a:bodyPr spcFirstLastPara="0" vert="horz" wrap="square" lIns="92456" tIns="92456" rIns="92456" bIns="92456" numCol="1" spcCol="1270" anchor="t" anchorCtr="0">
+        <a:bodyPr spcFirstLastPara="0" vert="horz" wrap="square" lIns="106680" tIns="106680" rIns="106680" bIns="106680" numCol="1" spcCol="1270" anchor="t" anchorCtr="0">
           <a:noAutofit/>
         </a:bodyPr>
         <a:lstStyle/>
         <a:p>
-          <a:pPr marL="0" lvl="0" indent="0" algn="ctr" defTabSz="577850">
+          <a:pPr marL="0" lvl="0" indent="0" algn="ctr" defTabSz="666750">
             <a:lnSpc>
               <a:spcPct val="90000"/>
             </a:lnSpc>
@@ -12776,12 +12795,12 @@
             <a:buNone/>
           </a:pPr>
           <a:r>
-            <a:rPr lang="pl-PL" sz="1300" kern="1200" dirty="0"/>
+            <a:rPr lang="pl-PL" sz="1500" kern="1200" dirty="0"/>
             <a:t>January 2018</a:t>
           </a:r>
         </a:p>
         <a:p>
-          <a:pPr marL="0" lvl="0" indent="0" algn="ctr" defTabSz="577850">
+          <a:pPr marL="0" lvl="0" indent="0" algn="ctr" defTabSz="666750">
             <a:lnSpc>
               <a:spcPct val="90000"/>
             </a:lnSpc>
@@ -12794,37 +12813,37 @@
             <a:buNone/>
           </a:pPr>
           <a:r>
-            <a:rPr lang="pl-PL" sz="1300" kern="1200" dirty="0"/>
+            <a:rPr lang="pl-PL" sz="1500" kern="1200" dirty="0"/>
             <a:t>EOS </a:t>
           </a:r>
           <a:r>
-            <a:rPr lang="pl-PL" sz="1300" kern="1200" dirty="0" err="1"/>
+            <a:rPr lang="pl-PL" sz="1500" kern="1200" dirty="0" err="1"/>
             <a:t>Dawn</a:t>
           </a:r>
           <a:r>
-            <a:rPr lang="pl-PL" sz="1300" kern="1200" dirty="0"/>
+            <a:rPr lang="pl-PL" sz="1500" kern="1200" dirty="0"/>
             <a:t> 3.0</a:t>
           </a:r>
           <a:br>
-            <a:rPr lang="pl-PL" sz="1300" kern="1200" dirty="0"/>
+            <a:rPr lang="pl-PL" sz="1500" kern="1200" dirty="0"/>
           </a:br>
           <a:r>
-            <a:rPr lang="pl-PL" sz="1300" kern="1200" dirty="0"/>
+            <a:rPr lang="pl-PL" sz="1500" kern="1200" dirty="0"/>
             <a:t>A</a:t>
           </a:r>
           <a:r>
-            <a:rPr lang="en-US" sz="1300" kern="1200" dirty="0" err="1"/>
+            <a:rPr lang="en-US" sz="1500" kern="1200" dirty="0" err="1"/>
             <a:t>ll</a:t>
           </a:r>
           <a:r>
-            <a:rPr lang="en-US" sz="1300" kern="1200" dirty="0"/>
+            <a:rPr lang="en-US" sz="1500" kern="1200" dirty="0"/>
             <a:t> major functionalities</a:t>
           </a:r>
           <a:r>
-            <a:rPr lang="pl-PL" sz="1300" kern="1200" dirty="0"/>
+            <a:rPr lang="pl-PL" sz="1500" kern="1200" dirty="0"/>
             <a:t> deployed</a:t>
           </a:r>
-          <a:endParaRPr lang="en-US" sz="1300" kern="1200" dirty="0"/>
+          <a:endParaRPr lang="en-US" sz="1500" kern="1200" dirty="0"/>
         </a:p>
       </dsp:txBody>
       <dsp:txXfrm>
@@ -12846,9 +12865,7 @@
           <a:avLst/>
         </a:prstGeom>
         <a:solidFill>
-          <a:schemeClr val="tx1">
-            <a:lumMod val="50000"/>
-          </a:schemeClr>
+          <a:schemeClr val="tx2"/>
         </a:solidFill>
         <a:ln w="15875" cap="flat" cmpd="sng" algn="ctr">
           <a:solidFill>
@@ -12910,12 +12927,12 @@
         <a:fontRef idx="minor"/>
       </dsp:style>
       <dsp:txBody>
-        <a:bodyPr spcFirstLastPara="0" vert="horz" wrap="square" lIns="92456" tIns="92456" rIns="92456" bIns="92456" numCol="1" spcCol="1270" anchor="b" anchorCtr="0">
+        <a:bodyPr spcFirstLastPara="0" vert="horz" wrap="square" lIns="106680" tIns="106680" rIns="106680" bIns="106680" numCol="1" spcCol="1270" anchor="b" anchorCtr="0">
           <a:noAutofit/>
         </a:bodyPr>
         <a:lstStyle/>
         <a:p>
-          <a:pPr marL="0" lvl="0" indent="0" algn="ctr" defTabSz="577850">
+          <a:pPr marL="0" lvl="0" indent="0" algn="ctr" defTabSz="666750">
             <a:lnSpc>
               <a:spcPct val="90000"/>
             </a:lnSpc>
@@ -12928,14 +12945,14 @@
             <a:buNone/>
           </a:pPr>
           <a:r>
-            <a:rPr lang="en-US" sz="1300" kern="1200" dirty="0"/>
+            <a:rPr lang="en-US" sz="1500" kern="1200" dirty="0"/>
             <a:t>Q1 &amp; Q2 2018 devoted to testing and building development tools &amp; doc</a:t>
           </a:r>
           <a:r>
-            <a:rPr lang="pl-PL" sz="1300" kern="1200"/>
+            <a:rPr lang="pl-PL" sz="1500" kern="1200"/>
             <a:t>s</a:t>
           </a:r>
-          <a:endParaRPr lang="en-US" sz="1300" kern="1200" dirty="0"/>
+          <a:endParaRPr lang="en-US" sz="1500" kern="1200" dirty="0"/>
         </a:p>
       </dsp:txBody>
       <dsp:txXfrm>
@@ -13021,12 +13038,12 @@
         <a:fontRef idx="minor"/>
       </dsp:style>
       <dsp:txBody>
-        <a:bodyPr spcFirstLastPara="0" vert="horz" wrap="square" lIns="92456" tIns="92456" rIns="92456" bIns="92456" numCol="1" spcCol="1270" anchor="t" anchorCtr="0">
+        <a:bodyPr spcFirstLastPara="0" vert="horz" wrap="square" lIns="106680" tIns="106680" rIns="106680" bIns="106680" numCol="1" spcCol="1270" anchor="t" anchorCtr="0">
           <a:noAutofit/>
         </a:bodyPr>
         <a:lstStyle/>
         <a:p>
-          <a:pPr marL="0" lvl="0" indent="0" algn="ctr" defTabSz="577850">
+          <a:pPr marL="0" lvl="0" indent="0" algn="ctr" defTabSz="666750">
             <a:lnSpc>
               <a:spcPct val="90000"/>
             </a:lnSpc>
@@ -13039,14 +13056,17 @@
             <a:buNone/>
           </a:pPr>
           <a:r>
-            <a:rPr lang="en-US" sz="1300" kern="1200" dirty="0"/>
-            <a:t>The EOS blockchain goes live in June 2018</a:t>
+            <a:rPr lang="en-US" sz="1500" kern="1200" dirty="0"/>
+            <a:t>The EOS blockchain</a:t>
           </a:r>
           <a:r>
-            <a:rPr lang="pl-PL" sz="1300" kern="1200"/>
-            <a:t>, most probably with the parallel processing feature already enabled</a:t>
+            <a:rPr lang="pl-PL" sz="1500" kern="1200" dirty="0"/>
+            <a:t>(s)</a:t>
           </a:r>
-          <a:endParaRPr lang="en-US" sz="1300" kern="1200" dirty="0"/>
+          <a:r>
+            <a:rPr lang="en-US" sz="1500" kern="1200" dirty="0"/>
+            <a:t> goes live in June 2018</a:t>
+          </a:r>
         </a:p>
       </dsp:txBody>
       <dsp:txXfrm>
@@ -24217,7 +24237,7 @@
             </a:ln>
             <a:extLst>
               <a:ext uri="{91240B29-F687-4f45-9708-019B960494DF}">
-                <a14:hiddenLine xmlns="" xmlns:a14="http://schemas.microsoft.com/office/drawing/2010/main" w="9525">
+                <a14:hiddenLine xmlns:a14="http://schemas.microsoft.com/office/drawing/2010/main" xmlns="" w="9525">
                   <a:solidFill>
                     <a:srgbClr val="000000"/>
                   </a:solidFill>
@@ -24307,7 +24327,7 @@
             </a:ln>
             <a:extLst>
               <a:ext uri="{91240B29-F687-4f45-9708-019B960494DF}">
-                <a14:hiddenLine xmlns="" xmlns:a14="http://schemas.microsoft.com/office/drawing/2010/main" w="9525">
+                <a14:hiddenLine xmlns:a14="http://schemas.microsoft.com/office/drawing/2010/main" xmlns="" w="9525">
                   <a:solidFill>
                     <a:srgbClr val="000000"/>
                   </a:solidFill>
@@ -24397,7 +24417,7 @@
             </a:ln>
             <a:extLst>
               <a:ext uri="{91240B29-F687-4f45-9708-019B960494DF}">
-                <a14:hiddenLine xmlns="" xmlns:a14="http://schemas.microsoft.com/office/drawing/2010/main" w="9525">
+                <a14:hiddenLine xmlns:a14="http://schemas.microsoft.com/office/drawing/2010/main" xmlns="" w="9525">
                   <a:solidFill>
                     <a:srgbClr val="000000"/>
                   </a:solidFill>
@@ -24431,7 +24451,7 @@
             </a:ln>
             <a:extLst>
               <a:ext uri="{91240B29-F687-4f45-9708-019B960494DF}">
-                <a14:hiddenLine xmlns="" xmlns:a14="http://schemas.microsoft.com/office/drawing/2010/main" w="9525">
+                <a14:hiddenLine xmlns:a14="http://schemas.microsoft.com/office/drawing/2010/main" xmlns="" w="9525">
                   <a:solidFill>
                     <a:srgbClr val="000000"/>
                   </a:solidFill>
@@ -24521,7 +24541,7 @@
             </a:ln>
             <a:extLst>
               <a:ext uri="{91240B29-F687-4f45-9708-019B960494DF}">
-                <a14:hiddenLine xmlns="" xmlns:a14="http://schemas.microsoft.com/office/drawing/2010/main" w="9525">
+                <a14:hiddenLine xmlns:a14="http://schemas.microsoft.com/office/drawing/2010/main" xmlns="" w="9525">
                   <a:solidFill>
                     <a:srgbClr val="000000"/>
                   </a:solidFill>
@@ -24583,7 +24603,7 @@
             </a:ln>
             <a:extLst>
               <a:ext uri="{91240B29-F687-4f45-9708-019B960494DF}">
-                <a14:hiddenLine xmlns="" xmlns:a14="http://schemas.microsoft.com/office/drawing/2010/main" w="9525">
+                <a14:hiddenLine xmlns:a14="http://schemas.microsoft.com/office/drawing/2010/main" xmlns="" w="9525">
                   <a:solidFill>
                     <a:srgbClr val="000000"/>
                   </a:solidFill>
@@ -24645,7 +24665,7 @@
             </a:ln>
             <a:extLst>
               <a:ext uri="{91240B29-F687-4f45-9708-019B960494DF}">
-                <a14:hiddenLine xmlns="" xmlns:a14="http://schemas.microsoft.com/office/drawing/2010/main" w="9525">
+                <a14:hiddenLine xmlns:a14="http://schemas.microsoft.com/office/drawing/2010/main" xmlns="" w="9525">
                   <a:solidFill>
                     <a:srgbClr val="000000"/>
                   </a:solidFill>
@@ -24735,7 +24755,7 @@
             </a:ln>
             <a:extLst>
               <a:ext uri="{91240B29-F687-4f45-9708-019B960494DF}">
-                <a14:hiddenLine xmlns="" xmlns:a14="http://schemas.microsoft.com/office/drawing/2010/main" w="9525">
+                <a14:hiddenLine xmlns:a14="http://schemas.microsoft.com/office/drawing/2010/main" xmlns="" w="9525">
                   <a:solidFill>
                     <a:srgbClr val="000000"/>
                   </a:solidFill>
@@ -24797,7 +24817,7 @@
             </a:ln>
             <a:extLst>
               <a:ext uri="{91240B29-F687-4f45-9708-019B960494DF}">
-                <a14:hiddenLine xmlns="" xmlns:a14="http://schemas.microsoft.com/office/drawing/2010/main" w="9525">
+                <a14:hiddenLine xmlns:a14="http://schemas.microsoft.com/office/drawing/2010/main" xmlns="" w="9525">
                   <a:solidFill>
                     <a:srgbClr val="000000"/>
                   </a:solidFill>
@@ -24859,7 +24879,7 @@
             </a:ln>
             <a:extLst>
               <a:ext uri="{91240B29-F687-4f45-9708-019B960494DF}">
-                <a14:hiddenLine xmlns="" xmlns:a14="http://schemas.microsoft.com/office/drawing/2010/main" w="9525">
+                <a14:hiddenLine xmlns:a14="http://schemas.microsoft.com/office/drawing/2010/main" xmlns="" w="9525">
                   <a:solidFill>
                     <a:srgbClr val="000000"/>
                   </a:solidFill>
@@ -24949,7 +24969,7 @@
             </a:ln>
             <a:extLst>
               <a:ext uri="{91240B29-F687-4f45-9708-019B960494DF}">
-                <a14:hiddenLine xmlns="" xmlns:a14="http://schemas.microsoft.com/office/drawing/2010/main" w="9525">
+                <a14:hiddenLine xmlns:a14="http://schemas.microsoft.com/office/drawing/2010/main" xmlns="" w="9525">
                   <a:solidFill>
                     <a:srgbClr val="000000"/>
                   </a:solidFill>
@@ -25039,7 +25059,7 @@
             </a:ln>
             <a:extLst>
               <a:ext uri="{91240B29-F687-4f45-9708-019B960494DF}">
-                <a14:hiddenLine xmlns="" xmlns:a14="http://schemas.microsoft.com/office/drawing/2010/main" w="9525">
+                <a14:hiddenLine xmlns:a14="http://schemas.microsoft.com/office/drawing/2010/main" xmlns="" w="9525">
                   <a:solidFill>
                     <a:srgbClr val="000000"/>
                   </a:solidFill>
@@ -25101,7 +25121,7 @@
             </a:ln>
             <a:extLst>
               <a:ext uri="{91240B29-F687-4f45-9708-019B960494DF}">
-                <a14:hiddenLine xmlns="" xmlns:a14="http://schemas.microsoft.com/office/drawing/2010/main" w="9525">
+                <a14:hiddenLine xmlns:a14="http://schemas.microsoft.com/office/drawing/2010/main" xmlns="" w="9525">
                   <a:solidFill>
                     <a:srgbClr val="000000"/>
                   </a:solidFill>
@@ -25211,7 +25231,7 @@
             </a:ln>
             <a:extLst>
               <a:ext uri="{91240B29-F687-4f45-9708-019B960494DF}">
-                <a14:hiddenLine xmlns="" xmlns:a14="http://schemas.microsoft.com/office/drawing/2010/main" w="9525">
+                <a14:hiddenLine xmlns:a14="http://schemas.microsoft.com/office/drawing/2010/main" xmlns="" w="9525">
                   <a:solidFill>
                     <a:srgbClr val="000000"/>
                   </a:solidFill>
@@ -25273,7 +25293,7 @@
             </a:ln>
             <a:extLst>
               <a:ext uri="{91240B29-F687-4f45-9708-019B960494DF}">
-                <a14:hiddenLine xmlns="" xmlns:a14="http://schemas.microsoft.com/office/drawing/2010/main" w="9525">
+                <a14:hiddenLine xmlns:a14="http://schemas.microsoft.com/office/drawing/2010/main" xmlns="" w="9525">
                   <a:solidFill>
                     <a:srgbClr val="000000"/>
                   </a:solidFill>
@@ -25363,7 +25383,7 @@
             </a:ln>
             <a:extLst>
               <a:ext uri="{91240B29-F687-4f45-9708-019B960494DF}">
-                <a14:hiddenLine xmlns="" xmlns:a14="http://schemas.microsoft.com/office/drawing/2010/main" w="9525">
+                <a14:hiddenLine xmlns:a14="http://schemas.microsoft.com/office/drawing/2010/main" xmlns="" w="9525">
                   <a:solidFill>
                     <a:srgbClr val="000000"/>
                   </a:solidFill>
@@ -25453,7 +25473,7 @@
             </a:ln>
             <a:extLst>
               <a:ext uri="{91240B29-F687-4f45-9708-019B960494DF}">
-                <a14:hiddenLine xmlns="" xmlns:a14="http://schemas.microsoft.com/office/drawing/2010/main" w="9525">
+                <a14:hiddenLine xmlns:a14="http://schemas.microsoft.com/office/drawing/2010/main" xmlns="" w="9525">
                   <a:solidFill>
                     <a:srgbClr val="000000"/>
                   </a:solidFill>
@@ -25515,7 +25535,7 @@
             </a:ln>
             <a:extLst>
               <a:ext uri="{91240B29-F687-4f45-9708-019B960494DF}">
-                <a14:hiddenLine xmlns="" xmlns:a14="http://schemas.microsoft.com/office/drawing/2010/main" w="9525">
+                <a14:hiddenLine xmlns:a14="http://schemas.microsoft.com/office/drawing/2010/main" xmlns="" w="9525">
                   <a:solidFill>
                     <a:srgbClr val="000000"/>
                   </a:solidFill>
@@ -25605,7 +25625,7 @@
             </a:ln>
             <a:extLst>
               <a:ext uri="{91240B29-F687-4f45-9708-019B960494DF}">
-                <a14:hiddenLine xmlns="" xmlns:a14="http://schemas.microsoft.com/office/drawing/2010/main" w="9525">
+                <a14:hiddenLine xmlns:a14="http://schemas.microsoft.com/office/drawing/2010/main" xmlns="" w="9525">
                   <a:solidFill>
                     <a:srgbClr val="000000"/>
                   </a:solidFill>
@@ -25695,7 +25715,7 @@
             </a:ln>
             <a:extLst>
               <a:ext uri="{91240B29-F687-4f45-9708-019B960494DF}">
-                <a14:hiddenLine xmlns="" xmlns:a14="http://schemas.microsoft.com/office/drawing/2010/main" w="9525">
+                <a14:hiddenLine xmlns:a14="http://schemas.microsoft.com/office/drawing/2010/main" xmlns="" w="9525">
                   <a:solidFill>
                     <a:srgbClr val="000000"/>
                   </a:solidFill>
@@ -25751,7 +25771,7 @@
             </a:ln>
             <a:extLst>
               <a:ext uri="{91240B29-F687-4f45-9708-019B960494DF}">
-                <a14:hiddenLine xmlns="" xmlns:a14="http://schemas.microsoft.com/office/drawing/2010/main" w="9525">
+                <a14:hiddenLine xmlns:a14="http://schemas.microsoft.com/office/drawing/2010/main" xmlns="" w="9525">
                   <a:solidFill>
                     <a:srgbClr val="000000"/>
                   </a:solidFill>
@@ -25841,7 +25861,7 @@
             </a:ln>
             <a:extLst>
               <a:ext uri="{91240B29-F687-4f45-9708-019B960494DF}">
-                <a14:hiddenLine xmlns="" xmlns:a14="http://schemas.microsoft.com/office/drawing/2010/main" w="9525">
+                <a14:hiddenLine xmlns:a14="http://schemas.microsoft.com/office/drawing/2010/main" xmlns="" w="9525">
                   <a:solidFill>
                     <a:srgbClr val="000000"/>
                   </a:solidFill>
@@ -25897,7 +25917,7 @@
             </a:ln>
             <a:extLst>
               <a:ext uri="{91240B29-F687-4f45-9708-019B960494DF}">
-                <a14:hiddenLine xmlns="" xmlns:a14="http://schemas.microsoft.com/office/drawing/2010/main" w="9525">
+                <a14:hiddenLine xmlns:a14="http://schemas.microsoft.com/office/drawing/2010/main" xmlns="" w="9525">
                   <a:solidFill>
                     <a:srgbClr val="000000"/>
                   </a:solidFill>
@@ -25987,7 +26007,7 @@
             </a:ln>
             <a:extLst>
               <a:ext uri="{91240B29-F687-4f45-9708-019B960494DF}">
-                <a14:hiddenLine xmlns="" xmlns:a14="http://schemas.microsoft.com/office/drawing/2010/main" w="9525">
+                <a14:hiddenLine xmlns:a14="http://schemas.microsoft.com/office/drawing/2010/main" xmlns="" w="9525">
                   <a:solidFill>
                     <a:srgbClr val="000000"/>
                   </a:solidFill>
@@ -26055,7 +26075,7 @@
             </a:ln>
             <a:extLst>
               <a:ext uri="{91240B29-F687-4f45-9708-019B960494DF}">
-                <a14:hiddenLine xmlns="" xmlns:a14="http://schemas.microsoft.com/office/drawing/2010/main" w="9525">
+                <a14:hiddenLine xmlns:a14="http://schemas.microsoft.com/office/drawing/2010/main" xmlns="" w="9525">
                   <a:solidFill>
                     <a:srgbClr val="000000"/>
                   </a:solidFill>
@@ -26145,7 +26165,7 @@
             </a:ln>
             <a:extLst>
               <a:ext uri="{91240B29-F687-4f45-9708-019B960494DF}">
-                <a14:hiddenLine xmlns="" xmlns:a14="http://schemas.microsoft.com/office/drawing/2010/main" w="9525">
+                <a14:hiddenLine xmlns:a14="http://schemas.microsoft.com/office/drawing/2010/main" xmlns="" w="9525">
                   <a:solidFill>
                     <a:srgbClr val="000000"/>
                   </a:solidFill>
@@ -26213,7 +26233,7 @@
             </a:ln>
             <a:extLst>
               <a:ext uri="{91240B29-F687-4f45-9708-019B960494DF}">
-                <a14:hiddenLine xmlns="" xmlns:a14="http://schemas.microsoft.com/office/drawing/2010/main" w="9525">
+                <a14:hiddenLine xmlns:a14="http://schemas.microsoft.com/office/drawing/2010/main" xmlns="" w="9525">
                   <a:solidFill>
                     <a:srgbClr val="000000"/>
                   </a:solidFill>
@@ -26303,7 +26323,7 @@
             </a:ln>
             <a:extLst>
               <a:ext uri="{91240B29-F687-4f45-9708-019B960494DF}">
-                <a14:hiddenLine xmlns="" xmlns:a14="http://schemas.microsoft.com/office/drawing/2010/main" w="9525">
+                <a14:hiddenLine xmlns:a14="http://schemas.microsoft.com/office/drawing/2010/main" xmlns="" w="9525">
                   <a:solidFill>
                     <a:srgbClr val="000000"/>
                   </a:solidFill>
@@ -26337,7 +26357,7 @@
             </a:ln>
             <a:extLst>
               <a:ext uri="{91240B29-F687-4f45-9708-019B960494DF}">
-                <a14:hiddenLine xmlns="" xmlns:a14="http://schemas.microsoft.com/office/drawing/2010/main" w="9525">
+                <a14:hiddenLine xmlns:a14="http://schemas.microsoft.com/office/drawing/2010/main" xmlns="" w="9525">
                   <a:solidFill>
                     <a:srgbClr val="000000"/>
                   </a:solidFill>
@@ -26427,7 +26447,7 @@
             </a:ln>
             <a:extLst>
               <a:ext uri="{91240B29-F687-4f45-9708-019B960494DF}">
-                <a14:hiddenLine xmlns="" xmlns:a14="http://schemas.microsoft.com/office/drawing/2010/main" w="9525">
+                <a14:hiddenLine xmlns:a14="http://schemas.microsoft.com/office/drawing/2010/main" xmlns="" w="9525">
                   <a:solidFill>
                     <a:srgbClr val="000000"/>
                   </a:solidFill>
@@ -26489,7 +26509,7 @@
             </a:ln>
             <a:extLst>
               <a:ext uri="{91240B29-F687-4f45-9708-019B960494DF}">
-                <a14:hiddenLine xmlns="" xmlns:a14="http://schemas.microsoft.com/office/drawing/2010/main" w="9525">
+                <a14:hiddenLine xmlns:a14="http://schemas.microsoft.com/office/drawing/2010/main" xmlns="" w="9525">
                   <a:solidFill>
                     <a:srgbClr val="000000"/>
                   </a:solidFill>
@@ -26551,7 +26571,7 @@
             </a:ln>
             <a:extLst>
               <a:ext uri="{91240B29-F687-4f45-9708-019B960494DF}">
-                <a14:hiddenLine xmlns="" xmlns:a14="http://schemas.microsoft.com/office/drawing/2010/main" w="9525">
+                <a14:hiddenLine xmlns:a14="http://schemas.microsoft.com/office/drawing/2010/main" xmlns="" w="9525">
                   <a:solidFill>
                     <a:srgbClr val="000000"/>
                   </a:solidFill>
@@ -26641,7 +26661,7 @@
             </a:ln>
             <a:extLst>
               <a:ext uri="{91240B29-F687-4f45-9708-019B960494DF}">
-                <a14:hiddenLine xmlns="" xmlns:a14="http://schemas.microsoft.com/office/drawing/2010/main" w="9525">
+                <a14:hiddenLine xmlns:a14="http://schemas.microsoft.com/office/drawing/2010/main" xmlns="" w="9525">
                   <a:solidFill>
                     <a:srgbClr val="000000"/>
                   </a:solidFill>
@@ -26709,7 +26729,7 @@
             </a:ln>
             <a:extLst>
               <a:ext uri="{91240B29-F687-4f45-9708-019B960494DF}">
-                <a14:hiddenLine xmlns="" xmlns:a14="http://schemas.microsoft.com/office/drawing/2010/main" w="9525">
+                <a14:hiddenLine xmlns:a14="http://schemas.microsoft.com/office/drawing/2010/main" xmlns="" w="9525">
                   <a:solidFill>
                     <a:srgbClr val="000000"/>
                   </a:solidFill>
@@ -26771,7 +26791,7 @@
             </a:ln>
             <a:extLst>
               <a:ext uri="{91240B29-F687-4f45-9708-019B960494DF}">
-                <a14:hiddenLine xmlns="" xmlns:a14="http://schemas.microsoft.com/office/drawing/2010/main" w="9525">
+                <a14:hiddenLine xmlns:a14="http://schemas.microsoft.com/office/drawing/2010/main" xmlns="" w="9525">
                   <a:solidFill>
                     <a:srgbClr val="000000"/>
                   </a:solidFill>
@@ -26861,7 +26881,7 @@
             </a:ln>
             <a:extLst>
               <a:ext uri="{91240B29-F687-4f45-9708-019B960494DF}">
-                <a14:hiddenLine xmlns="" xmlns:a14="http://schemas.microsoft.com/office/drawing/2010/main" w="9525">
+                <a14:hiddenLine xmlns:a14="http://schemas.microsoft.com/office/drawing/2010/main" xmlns="" w="9525">
                   <a:solidFill>
                     <a:srgbClr val="000000"/>
                   </a:solidFill>
@@ -26923,7 +26943,7 @@
             </a:ln>
             <a:extLst>
               <a:ext uri="{91240B29-F687-4f45-9708-019B960494DF}">
-                <a14:hiddenLine xmlns="" xmlns:a14="http://schemas.microsoft.com/office/drawing/2010/main" w="9525">
+                <a14:hiddenLine xmlns:a14="http://schemas.microsoft.com/office/drawing/2010/main" xmlns="" w="9525">
                   <a:solidFill>
                     <a:srgbClr val="000000"/>
                   </a:solidFill>
@@ -27013,7 +27033,7 @@
             </a:ln>
             <a:extLst>
               <a:ext uri="{91240B29-F687-4f45-9708-019B960494DF}">
-                <a14:hiddenLine xmlns="" xmlns:a14="http://schemas.microsoft.com/office/drawing/2010/main" w="9525">
+                <a14:hiddenLine xmlns:a14="http://schemas.microsoft.com/office/drawing/2010/main" xmlns="" w="9525">
                   <a:solidFill>
                     <a:srgbClr val="000000"/>
                   </a:solidFill>
@@ -27075,7 +27095,7 @@
             </a:ln>
             <a:extLst>
               <a:ext uri="{91240B29-F687-4f45-9708-019B960494DF}">
-                <a14:hiddenLine xmlns="" xmlns:a14="http://schemas.microsoft.com/office/drawing/2010/main" w="9525">
+                <a14:hiddenLine xmlns:a14="http://schemas.microsoft.com/office/drawing/2010/main" xmlns="" w="9525">
                   <a:solidFill>
                     <a:srgbClr val="000000"/>
                   </a:solidFill>
@@ -27165,7 +27185,7 @@
             </a:ln>
             <a:extLst>
               <a:ext uri="{91240B29-F687-4f45-9708-019B960494DF}">
-                <a14:hiddenLine xmlns="" xmlns:a14="http://schemas.microsoft.com/office/drawing/2010/main" w="9525">
+                <a14:hiddenLine xmlns:a14="http://schemas.microsoft.com/office/drawing/2010/main" xmlns="" w="9525">
                   <a:solidFill>
                     <a:srgbClr val="000000"/>
                   </a:solidFill>
@@ -27199,7 +27219,7 @@
             </a:ln>
             <a:extLst>
               <a:ext uri="{91240B29-F687-4f45-9708-019B960494DF}">
-                <a14:hiddenLine xmlns="" xmlns:a14="http://schemas.microsoft.com/office/drawing/2010/main" w="9525">
+                <a14:hiddenLine xmlns:a14="http://schemas.microsoft.com/office/drawing/2010/main" xmlns="" w="9525">
                   <a:solidFill>
                     <a:srgbClr val="000000"/>
                   </a:solidFill>
@@ -27264,7 +27284,7 @@
             </a:ln>
             <a:extLst>
               <a:ext uri="{91240B29-F687-4f45-9708-019B960494DF}">
-                <a14:hiddenLine xmlns="" xmlns:a14="http://schemas.microsoft.com/office/drawing/2010/main" w="9525">
+                <a14:hiddenLine xmlns:a14="http://schemas.microsoft.com/office/drawing/2010/main" xmlns="" w="9525">
                   <a:solidFill>
                     <a:srgbClr val="000000"/>
                   </a:solidFill>
@@ -27354,7 +27374,7 @@
             </a:ln>
             <a:extLst>
               <a:ext uri="{91240B29-F687-4f45-9708-019B960494DF}">
-                <a14:hiddenLine xmlns="" xmlns:a14="http://schemas.microsoft.com/office/drawing/2010/main" w="9525">
+                <a14:hiddenLine xmlns:a14="http://schemas.microsoft.com/office/drawing/2010/main" xmlns="" w="9525">
                   <a:solidFill>
                     <a:srgbClr val="000000"/>
                   </a:solidFill>
@@ -27416,7 +27436,7 @@
             </a:ln>
             <a:extLst>
               <a:ext uri="{91240B29-F687-4f45-9708-019B960494DF}">
-                <a14:hiddenLine xmlns="" xmlns:a14="http://schemas.microsoft.com/office/drawing/2010/main" w="9525">
+                <a14:hiddenLine xmlns:a14="http://schemas.microsoft.com/office/drawing/2010/main" xmlns="" w="9525">
                   <a:solidFill>
                     <a:srgbClr val="000000"/>
                   </a:solidFill>
@@ -27506,7 +27526,7 @@
             </a:ln>
             <a:extLst>
               <a:ext uri="{91240B29-F687-4f45-9708-019B960494DF}">
-                <a14:hiddenLine xmlns="" xmlns:a14="http://schemas.microsoft.com/office/drawing/2010/main" w="9525">
+                <a14:hiddenLine xmlns:a14="http://schemas.microsoft.com/office/drawing/2010/main" xmlns="" w="9525">
                   <a:solidFill>
                     <a:srgbClr val="000000"/>
                   </a:solidFill>
@@ -27596,7 +27616,7 @@
             </a:ln>
             <a:extLst>
               <a:ext uri="{91240B29-F687-4f45-9708-019B960494DF}">
-                <a14:hiddenLine xmlns="" xmlns:a14="http://schemas.microsoft.com/office/drawing/2010/main" w="9525">
+                <a14:hiddenLine xmlns:a14="http://schemas.microsoft.com/office/drawing/2010/main" xmlns="" w="9525">
                   <a:solidFill>
                     <a:srgbClr val="000000"/>
                   </a:solidFill>
@@ -27661,7 +27681,7 @@
             </a:ln>
             <a:extLst>
               <a:ext uri="{91240B29-F687-4f45-9708-019B960494DF}">
-                <a14:hiddenLine xmlns="" xmlns:a14="http://schemas.microsoft.com/office/drawing/2010/main" w="9525">
+                <a14:hiddenLine xmlns:a14="http://schemas.microsoft.com/office/drawing/2010/main" xmlns="" w="9525">
                   <a:solidFill>
                     <a:srgbClr val="000000"/>
                   </a:solidFill>
@@ -27723,7 +27743,7 @@
             </a:ln>
             <a:extLst>
               <a:ext uri="{91240B29-F687-4f45-9708-019B960494DF}">
-                <a14:hiddenLine xmlns="" xmlns:a14="http://schemas.microsoft.com/office/drawing/2010/main" w="9525">
+                <a14:hiddenLine xmlns:a14="http://schemas.microsoft.com/office/drawing/2010/main" xmlns="" w="9525">
                   <a:solidFill>
                     <a:srgbClr val="000000"/>
                   </a:solidFill>
@@ -27813,7 +27833,7 @@
             </a:ln>
             <a:extLst>
               <a:ext uri="{91240B29-F687-4f45-9708-019B960494DF}">
-                <a14:hiddenLine xmlns="" xmlns:a14="http://schemas.microsoft.com/office/drawing/2010/main" w="9525">
+                <a14:hiddenLine xmlns:a14="http://schemas.microsoft.com/office/drawing/2010/main" xmlns="" w="9525">
                   <a:solidFill>
                     <a:srgbClr val="000000"/>
                   </a:solidFill>
@@ -27903,7 +27923,7 @@
             </a:ln>
             <a:extLst>
               <a:ext uri="{91240B29-F687-4f45-9708-019B960494DF}">
-                <a14:hiddenLine xmlns="" xmlns:a14="http://schemas.microsoft.com/office/drawing/2010/main" w="9525">
+                <a14:hiddenLine xmlns:a14="http://schemas.microsoft.com/office/drawing/2010/main" xmlns="" w="9525">
                   <a:solidFill>
                     <a:srgbClr val="000000"/>
                   </a:solidFill>
@@ -27965,7 +27985,7 @@
             </a:ln>
             <a:extLst>
               <a:ext uri="{91240B29-F687-4f45-9708-019B960494DF}">
-                <a14:hiddenLine xmlns="" xmlns:a14="http://schemas.microsoft.com/office/drawing/2010/main" w="9525">
+                <a14:hiddenLine xmlns:a14="http://schemas.microsoft.com/office/drawing/2010/main" xmlns="" w="9525">
                   <a:solidFill>
                     <a:srgbClr val="000000"/>
                   </a:solidFill>
@@ -28085,7 +28105,7 @@
             </a:ln>
             <a:extLst>
               <a:ext uri="{91240B29-F687-4f45-9708-019B960494DF}">
-                <a14:hiddenLine xmlns="" xmlns:a14="http://schemas.microsoft.com/office/drawing/2010/main" w="9525">
+                <a14:hiddenLine xmlns:a14="http://schemas.microsoft.com/office/drawing/2010/main" xmlns="" w="9525">
                   <a:solidFill>
                     <a:srgbClr val="000000"/>
                   </a:solidFill>
@@ -28153,7 +28173,7 @@
             </a:ln>
             <a:extLst>
               <a:ext uri="{91240B29-F687-4f45-9708-019B960494DF}">
-                <a14:hiddenLine xmlns="" xmlns:a14="http://schemas.microsoft.com/office/drawing/2010/main" w="9525">
+                <a14:hiddenLine xmlns:a14="http://schemas.microsoft.com/office/drawing/2010/main" xmlns="" w="9525">
                   <a:solidFill>
                     <a:srgbClr val="000000"/>
                   </a:solidFill>
@@ -28243,7 +28263,7 @@
             </a:ln>
             <a:extLst>
               <a:ext uri="{91240B29-F687-4f45-9708-019B960494DF}">
-                <a14:hiddenLine xmlns="" xmlns:a14="http://schemas.microsoft.com/office/drawing/2010/main" w="9525">
+                <a14:hiddenLine xmlns:a14="http://schemas.microsoft.com/office/drawing/2010/main" xmlns="" w="9525">
                   <a:solidFill>
                     <a:srgbClr val="000000"/>
                   </a:solidFill>
@@ -33178,7 +33198,7 @@
               </a:ln>
               <a:extLst>
                 <a:ext uri="{91240B29-F687-4f45-9708-019B960494DF}">
-                  <a14:hiddenLine xmlns="" xmlns:a14="http://schemas.microsoft.com/office/drawing/2010/main" w="9525">
+                  <a14:hiddenLine xmlns:a14="http://schemas.microsoft.com/office/drawing/2010/main" xmlns="" w="9525">
                     <a:solidFill>
                       <a:srgbClr val="000000"/>
                     </a:solidFill>
@@ -33268,7 +33288,7 @@
               </a:ln>
               <a:extLst>
                 <a:ext uri="{91240B29-F687-4f45-9708-019B960494DF}">
-                  <a14:hiddenLine xmlns="" xmlns:a14="http://schemas.microsoft.com/office/drawing/2010/main" w="9525">
+                  <a14:hiddenLine xmlns:a14="http://schemas.microsoft.com/office/drawing/2010/main" xmlns="" w="9525">
                     <a:solidFill>
                       <a:srgbClr val="000000"/>
                     </a:solidFill>
@@ -33358,7 +33378,7 @@
               </a:ln>
               <a:extLst>
                 <a:ext uri="{91240B29-F687-4f45-9708-019B960494DF}">
-                  <a14:hiddenLine xmlns="" xmlns:a14="http://schemas.microsoft.com/office/drawing/2010/main" w="9525">
+                  <a14:hiddenLine xmlns:a14="http://schemas.microsoft.com/office/drawing/2010/main" xmlns="" w="9525">
                     <a:solidFill>
                       <a:srgbClr val="000000"/>
                     </a:solidFill>
@@ -33420,7 +33440,7 @@
               </a:ln>
               <a:extLst>
                 <a:ext uri="{91240B29-F687-4f45-9708-019B960494DF}">
-                  <a14:hiddenLine xmlns="" xmlns:a14="http://schemas.microsoft.com/office/drawing/2010/main" w="9525">
+                  <a14:hiddenLine xmlns:a14="http://schemas.microsoft.com/office/drawing/2010/main" xmlns="" w="9525">
                     <a:solidFill>
                       <a:srgbClr val="000000"/>
                     </a:solidFill>
@@ -33510,7 +33530,7 @@
               </a:ln>
               <a:extLst>
                 <a:ext uri="{91240B29-F687-4f45-9708-019B960494DF}">
-                  <a14:hiddenLine xmlns="" xmlns:a14="http://schemas.microsoft.com/office/drawing/2010/main" w="9525">
+                  <a14:hiddenLine xmlns:a14="http://schemas.microsoft.com/office/drawing/2010/main" xmlns="" w="9525">
                     <a:solidFill>
                       <a:srgbClr val="000000"/>
                     </a:solidFill>
@@ -33572,7 +33592,7 @@
               </a:ln>
               <a:extLst>
                 <a:ext uri="{91240B29-F687-4f45-9708-019B960494DF}">
-                  <a14:hiddenLine xmlns="" xmlns:a14="http://schemas.microsoft.com/office/drawing/2010/main" w="9525">
+                  <a14:hiddenLine xmlns:a14="http://schemas.microsoft.com/office/drawing/2010/main" xmlns="" w="9525">
                     <a:solidFill>
                       <a:srgbClr val="000000"/>
                     </a:solidFill>
@@ -33634,7 +33654,7 @@
               </a:ln>
               <a:extLst>
                 <a:ext uri="{91240B29-F687-4f45-9708-019B960494DF}">
-                  <a14:hiddenLine xmlns="" xmlns:a14="http://schemas.microsoft.com/office/drawing/2010/main" w="9525">
+                  <a14:hiddenLine xmlns:a14="http://schemas.microsoft.com/office/drawing/2010/main" xmlns="" w="9525">
                     <a:solidFill>
                       <a:srgbClr val="000000"/>
                     </a:solidFill>
@@ -33724,7 +33744,7 @@
               </a:ln>
               <a:extLst>
                 <a:ext uri="{91240B29-F687-4f45-9708-019B960494DF}">
-                  <a14:hiddenLine xmlns="" xmlns:a14="http://schemas.microsoft.com/office/drawing/2010/main" w="9525">
+                  <a14:hiddenLine xmlns:a14="http://schemas.microsoft.com/office/drawing/2010/main" xmlns="" w="9525">
                     <a:solidFill>
                       <a:srgbClr val="000000"/>
                     </a:solidFill>
@@ -33814,7 +33834,7 @@
               </a:ln>
               <a:extLst>
                 <a:ext uri="{91240B29-F687-4f45-9708-019B960494DF}">
-                  <a14:hiddenLine xmlns="" xmlns:a14="http://schemas.microsoft.com/office/drawing/2010/main" w="9525">
+                  <a14:hiddenLine xmlns:a14="http://schemas.microsoft.com/office/drawing/2010/main" xmlns="" w="9525">
                     <a:solidFill>
                       <a:srgbClr val="000000"/>
                     </a:solidFill>
@@ -33876,7 +33896,7 @@
               </a:ln>
               <a:extLst>
                 <a:ext uri="{91240B29-F687-4f45-9708-019B960494DF}">
-                  <a14:hiddenLine xmlns="" xmlns:a14="http://schemas.microsoft.com/office/drawing/2010/main" w="9525">
+                  <a14:hiddenLine xmlns:a14="http://schemas.microsoft.com/office/drawing/2010/main" xmlns="" w="9525">
                     <a:solidFill>
                       <a:srgbClr val="000000"/>
                     </a:solidFill>
@@ -33986,7 +34006,7 @@
               </a:ln>
               <a:extLst>
                 <a:ext uri="{91240B29-F687-4f45-9708-019B960494DF}">
-                  <a14:hiddenLine xmlns="" xmlns:a14="http://schemas.microsoft.com/office/drawing/2010/main" w="9525">
+                  <a14:hiddenLine xmlns:a14="http://schemas.microsoft.com/office/drawing/2010/main" xmlns="" w="9525">
                     <a:solidFill>
                       <a:srgbClr val="000000"/>
                     </a:solidFill>
@@ -34070,7 +34090,7 @@
               </a:ln>
               <a:extLst>
                 <a:ext uri="{91240B29-F687-4f45-9708-019B960494DF}">
-                  <a14:hiddenLine xmlns="" xmlns:a14="http://schemas.microsoft.com/office/drawing/2010/main" w="9525">
+                  <a14:hiddenLine xmlns:a14="http://schemas.microsoft.com/office/drawing/2010/main" xmlns="" w="9525">
                     <a:solidFill>
                       <a:srgbClr val="000000"/>
                     </a:solidFill>
@@ -34132,7 +34152,7 @@
               </a:ln>
               <a:extLst>
                 <a:ext uri="{91240B29-F687-4f45-9708-019B960494DF}">
-                  <a14:hiddenLine xmlns="" xmlns:a14="http://schemas.microsoft.com/office/drawing/2010/main" w="9525">
+                  <a14:hiddenLine xmlns:a14="http://schemas.microsoft.com/office/drawing/2010/main" xmlns="" w="9525">
                     <a:solidFill>
                       <a:srgbClr val="000000"/>
                     </a:solidFill>
@@ -34194,7 +34214,7 @@
               </a:ln>
               <a:extLst>
                 <a:ext uri="{91240B29-F687-4f45-9708-019B960494DF}">
-                  <a14:hiddenLine xmlns="" xmlns:a14="http://schemas.microsoft.com/office/drawing/2010/main" w="9525">
+                  <a14:hiddenLine xmlns:a14="http://schemas.microsoft.com/office/drawing/2010/main" xmlns="" w="9525">
                     <a:solidFill>
                       <a:srgbClr val="000000"/>
                     </a:solidFill>
@@ -34284,7 +34304,7 @@
               </a:ln>
               <a:extLst>
                 <a:ext uri="{91240B29-F687-4f45-9708-019B960494DF}">
-                  <a14:hiddenLine xmlns="" xmlns:a14="http://schemas.microsoft.com/office/drawing/2010/main" w="9525">
+                  <a14:hiddenLine xmlns:a14="http://schemas.microsoft.com/office/drawing/2010/main" xmlns="" w="9525">
                     <a:solidFill>
                       <a:srgbClr val="000000"/>
                     </a:solidFill>
@@ -34318,7 +34338,7 @@
               </a:ln>
               <a:extLst>
                 <a:ext uri="{91240B29-F687-4f45-9708-019B960494DF}">
-                  <a14:hiddenLine xmlns="" xmlns:a14="http://schemas.microsoft.com/office/drawing/2010/main" w="9525">
+                  <a14:hiddenLine xmlns:a14="http://schemas.microsoft.com/office/drawing/2010/main" xmlns="" w="9525">
                     <a:solidFill>
                       <a:srgbClr val="000000"/>
                     </a:solidFill>
@@ -34383,7 +34403,7 @@
               </a:ln>
               <a:extLst>
                 <a:ext uri="{91240B29-F687-4f45-9708-019B960494DF}">
-                  <a14:hiddenLine xmlns="" xmlns:a14="http://schemas.microsoft.com/office/drawing/2010/main" w="9525">
+                  <a14:hiddenLine xmlns:a14="http://schemas.microsoft.com/office/drawing/2010/main" xmlns="" w="9525">
                     <a:solidFill>
                       <a:srgbClr val="000000"/>
                     </a:solidFill>
@@ -34473,7 +34493,7 @@
               </a:ln>
               <a:extLst>
                 <a:ext uri="{91240B29-F687-4f45-9708-019B960494DF}">
-                  <a14:hiddenLine xmlns="" xmlns:a14="http://schemas.microsoft.com/office/drawing/2010/main" w="9525">
+                  <a14:hiddenLine xmlns:a14="http://schemas.microsoft.com/office/drawing/2010/main" xmlns="" w="9525">
                     <a:solidFill>
                       <a:srgbClr val="000000"/>
                     </a:solidFill>
@@ -34535,7 +34555,7 @@
               </a:ln>
               <a:extLst>
                 <a:ext uri="{91240B29-F687-4f45-9708-019B960494DF}">
-                  <a14:hiddenLine xmlns="" xmlns:a14="http://schemas.microsoft.com/office/drawing/2010/main" w="9525">
+                  <a14:hiddenLine xmlns:a14="http://schemas.microsoft.com/office/drawing/2010/main" xmlns="" w="9525">
                     <a:solidFill>
                       <a:srgbClr val="000000"/>
                     </a:solidFill>
@@ -34625,7 +34645,7 @@
               </a:ln>
               <a:extLst>
                 <a:ext uri="{91240B29-F687-4f45-9708-019B960494DF}">
-                  <a14:hiddenLine xmlns="" xmlns:a14="http://schemas.microsoft.com/office/drawing/2010/main" w="9525">
+                  <a14:hiddenLine xmlns:a14="http://schemas.microsoft.com/office/drawing/2010/main" xmlns="" w="9525">
                     <a:solidFill>
                       <a:srgbClr val="000000"/>
                     </a:solidFill>
@@ -34690,7 +34710,7 @@
               </a:ln>
               <a:extLst>
                 <a:ext uri="{91240B29-F687-4f45-9708-019B960494DF}">
-                  <a14:hiddenLine xmlns="" xmlns:a14="http://schemas.microsoft.com/office/drawing/2010/main" w="9525">
+                  <a14:hiddenLine xmlns:a14="http://schemas.microsoft.com/office/drawing/2010/main" xmlns="" w="9525">
                     <a:solidFill>
                       <a:srgbClr val="000000"/>
                     </a:solidFill>
@@ -34752,7 +34772,7 @@
               </a:ln>
               <a:extLst>
                 <a:ext uri="{91240B29-F687-4f45-9708-019B960494DF}">
-                  <a14:hiddenLine xmlns="" xmlns:a14="http://schemas.microsoft.com/office/drawing/2010/main" w="9525">
+                  <a14:hiddenLine xmlns:a14="http://schemas.microsoft.com/office/drawing/2010/main" xmlns="" w="9525">
                     <a:solidFill>
                       <a:srgbClr val="000000"/>
                     </a:solidFill>
@@ -34842,7 +34862,7 @@
               </a:ln>
               <a:extLst>
                 <a:ext uri="{91240B29-F687-4f45-9708-019B960494DF}">
-                  <a14:hiddenLine xmlns="" xmlns:a14="http://schemas.microsoft.com/office/drawing/2010/main" w="9525">
+                  <a14:hiddenLine xmlns:a14="http://schemas.microsoft.com/office/drawing/2010/main" xmlns="" w="9525">
                     <a:solidFill>
                       <a:srgbClr val="000000"/>
                     </a:solidFill>
@@ -34932,7 +34952,7 @@
               </a:ln>
               <a:extLst>
                 <a:ext uri="{91240B29-F687-4f45-9708-019B960494DF}">
-                  <a14:hiddenLine xmlns="" xmlns:a14="http://schemas.microsoft.com/office/drawing/2010/main" w="9525">
+                  <a14:hiddenLine xmlns:a14="http://schemas.microsoft.com/office/drawing/2010/main" xmlns="" w="9525">
                     <a:solidFill>
                       <a:srgbClr val="000000"/>
                     </a:solidFill>
@@ -34997,7 +35017,7 @@
               </a:ln>
               <a:extLst>
                 <a:ext uri="{91240B29-F687-4f45-9708-019B960494DF}">
-                  <a14:hiddenLine xmlns="" xmlns:a14="http://schemas.microsoft.com/office/drawing/2010/main" w="9525">
+                  <a14:hiddenLine xmlns:a14="http://schemas.microsoft.com/office/drawing/2010/main" xmlns="" w="9525">
                     <a:solidFill>
                       <a:srgbClr val="000000"/>
                     </a:solidFill>
@@ -35117,7 +35137,7 @@
               </a:ln>
               <a:extLst>
                 <a:ext uri="{91240B29-F687-4f45-9708-019B960494DF}">
-                  <a14:hiddenLine xmlns="" xmlns:a14="http://schemas.microsoft.com/office/drawing/2010/main" w="9525">
+                  <a14:hiddenLine xmlns:a14="http://schemas.microsoft.com/office/drawing/2010/main" xmlns="" w="9525">
                     <a:solidFill>
                       <a:srgbClr val="000000"/>
                     </a:solidFill>
@@ -35215,7 +35235,7 @@
               </a:ln>
               <a:extLst>
                 <a:ext uri="{91240B29-F687-4f45-9708-019B960494DF}">
-                  <a14:hiddenLine xmlns="" xmlns:a14="http://schemas.microsoft.com/office/drawing/2010/main" w="9525">
+                  <a14:hiddenLine xmlns:a14="http://schemas.microsoft.com/office/drawing/2010/main" xmlns="" w="9525">
                     <a:solidFill>
                       <a:srgbClr val="000000"/>
                     </a:solidFill>
@@ -35330,7 +35350,7 @@
               </a:ln>
               <a:extLst>
                 <a:ext uri="{91240B29-F687-4f45-9708-019B960494DF}">
-                  <a14:hiddenLine xmlns="" xmlns:a14="http://schemas.microsoft.com/office/drawing/2010/main" w="9525">
+                  <a14:hiddenLine xmlns:a14="http://schemas.microsoft.com/office/drawing/2010/main" xmlns="" w="9525">
                     <a:solidFill>
                       <a:srgbClr val="000000"/>
                     </a:solidFill>
@@ -35420,7 +35440,7 @@
               </a:ln>
               <a:extLst>
                 <a:ext uri="{91240B29-F687-4f45-9708-019B960494DF}">
-                  <a14:hiddenLine xmlns="" xmlns:a14="http://schemas.microsoft.com/office/drawing/2010/main" w="9525">
+                  <a14:hiddenLine xmlns:a14="http://schemas.microsoft.com/office/drawing/2010/main" xmlns="" w="9525">
                     <a:solidFill>
                       <a:srgbClr val="000000"/>
                     </a:solidFill>
@@ -35485,7 +35505,7 @@
               </a:ln>
               <a:extLst>
                 <a:ext uri="{91240B29-F687-4f45-9708-019B960494DF}">
-                  <a14:hiddenLine xmlns="" xmlns:a14="http://schemas.microsoft.com/office/drawing/2010/main" w="9525">
+                  <a14:hiddenLine xmlns:a14="http://schemas.microsoft.com/office/drawing/2010/main" xmlns="" w="9525">
                     <a:solidFill>
                       <a:srgbClr val="000000"/>
                     </a:solidFill>
@@ -35575,7 +35595,7 @@
               </a:ln>
               <a:extLst>
                 <a:ext uri="{91240B29-F687-4f45-9708-019B960494DF}">
-                  <a14:hiddenLine xmlns="" xmlns:a14="http://schemas.microsoft.com/office/drawing/2010/main" w="9525">
+                  <a14:hiddenLine xmlns:a14="http://schemas.microsoft.com/office/drawing/2010/main" xmlns="" w="9525">
                     <a:solidFill>
                       <a:srgbClr val="000000"/>
                     </a:solidFill>
@@ -35643,7 +35663,7 @@
               </a:ln>
               <a:extLst>
                 <a:ext uri="{91240B29-F687-4f45-9708-019B960494DF}">
-                  <a14:hiddenLine xmlns="" xmlns:a14="http://schemas.microsoft.com/office/drawing/2010/main" w="9525">
+                  <a14:hiddenLine xmlns:a14="http://schemas.microsoft.com/office/drawing/2010/main" xmlns="" w="9525">
                     <a:solidFill>
                       <a:srgbClr val="000000"/>
                     </a:solidFill>
@@ -35733,7 +35753,7 @@
               </a:ln>
               <a:extLst>
                 <a:ext uri="{91240B29-F687-4f45-9708-019B960494DF}">
-                  <a14:hiddenLine xmlns="" xmlns:a14="http://schemas.microsoft.com/office/drawing/2010/main" w="9525">
+                  <a14:hiddenLine xmlns:a14="http://schemas.microsoft.com/office/drawing/2010/main" xmlns="" w="9525">
                     <a:solidFill>
                       <a:srgbClr val="000000"/>
                     </a:solidFill>
@@ -35801,7 +35821,7 @@
               </a:ln>
               <a:extLst>
                 <a:ext uri="{91240B29-F687-4f45-9708-019B960494DF}">
-                  <a14:hiddenLine xmlns="" xmlns:a14="http://schemas.microsoft.com/office/drawing/2010/main" w="9525">
+                  <a14:hiddenLine xmlns:a14="http://schemas.microsoft.com/office/drawing/2010/main" xmlns="" w="9525">
                     <a:solidFill>
                       <a:srgbClr val="000000"/>
                     </a:solidFill>
@@ -35891,7 +35911,7 @@
               </a:ln>
               <a:extLst>
                 <a:ext uri="{91240B29-F687-4f45-9708-019B960494DF}">
-                  <a14:hiddenLine xmlns="" xmlns:a14="http://schemas.microsoft.com/office/drawing/2010/main" w="9525">
+                  <a14:hiddenLine xmlns:a14="http://schemas.microsoft.com/office/drawing/2010/main" xmlns="" w="9525">
                     <a:solidFill>
                       <a:srgbClr val="000000"/>
                     </a:solidFill>
@@ -35925,7 +35945,7 @@
               </a:ln>
               <a:extLst>
                 <a:ext uri="{91240B29-F687-4f45-9708-019B960494DF}">
-                  <a14:hiddenLine xmlns="" xmlns:a14="http://schemas.microsoft.com/office/drawing/2010/main" w="9525">
+                  <a14:hiddenLine xmlns:a14="http://schemas.microsoft.com/office/drawing/2010/main" xmlns="" w="9525">
                     <a:solidFill>
                       <a:srgbClr val="000000"/>
                     </a:solidFill>
@@ -42271,7 +42291,7 @@
 </file>
 
 <file path=ppt/slides/slide24.xml><?xml version="1.0" encoding="utf-8"?>
-<p:sld xmlns:a="http://schemas.openxmlformats.org/drawingml/2006/main" xmlns:r="http://schemas.openxmlformats.org/officeDocument/2006/relationships" xmlns:p="http://schemas.openxmlformats.org/presentationml/2006/main">
+<p:sld xmlns:a="http://schemas.openxmlformats.org/drawingml/2006/main" xmlns:r="http://schemas.openxmlformats.org/officeDocument/2006/relationships" xmlns:p="http://schemas.openxmlformats.org/presentationml/2006/main" show="0">
   <p:cSld>
     <p:spTree>
       <p:nvGrpSpPr>
@@ -43373,15 +43393,9 @@
             </a:r>
             <a:r>
               <a:rPr lang="en-US" i="1" dirty="0"/>
-              <a:t>act of constant balancing between cutting edge and bleeding edge</a:t>
+              <a:t>act of constant balancing between cutting edge and bleeding Edge</a:t>
             </a:r>
             <a:endParaRPr lang="pl-PL" i="1" dirty="0"/>
-          </a:p>
-          <a:p>
-            <a:r>
-              <a:rPr lang="en-US" dirty="0"/>
-              <a:t>Track-record of poor documentation</a:t>
-            </a:r>
           </a:p>
           <a:p>
             <a:r>
@@ -43468,7 +43482,7 @@
             <p:ph idx="1"/>
             <p:extLst>
               <p:ext uri="{D42A27DB-BD31-4B8C-83A1-F6EECF244321}">
-                <p14:modId xmlns:p14="http://schemas.microsoft.com/office/powerpoint/2010/main" val="751913484"/>
+                <p14:modId xmlns:p14="http://schemas.microsoft.com/office/powerpoint/2010/main" val="1439049195"/>
               </p:ext>
             </p:extLst>
           </p:nvPr>
@@ -46990,13 +47004,13 @@
   <p:clrMapOvr>
     <a:masterClrMapping/>
   </p:clrMapOvr>
-  <mc:AlternateContent xmlns:mc="http://schemas.openxmlformats.org/markup-compatibility/2006">
-    <mc:Choice xmlns:p14="http://schemas.microsoft.com/office/powerpoint/2010/main" Requires="p14">
+  <mc:AlternateContent xmlns:mc="http://schemas.openxmlformats.org/markup-compatibility/2006" xmlns:p14="http://schemas.microsoft.com/office/powerpoint/2010/main">
+    <mc:Choice Requires="p14">
       <p:transition spd="slow" p14:dur="2500">
         <p:checker/>
       </p:transition>
     </mc:Choice>
-    <mc:Fallback>
+    <mc:Fallback xmlns="">
       <p:transition spd="slow">
         <p:checker/>
       </p:transition>
@@ -47425,51 +47439,6 @@
               <a:t>facebook.com/groups/EOSPolska</a:t>
             </a:r>
             <a:endParaRPr lang="en-US" dirty="0"/>
-          </a:p>
-        </p:txBody>
-      </p:sp>
-      <p:sp>
-        <p:nvSpPr>
-          <p:cNvPr id="11" name="TextBox 10">
-            <a:extLst>
-              <a:ext uri="{FF2B5EF4-FFF2-40B4-BE49-F238E27FC236}">
-                <a16:creationId xmlns:a16="http://schemas.microsoft.com/office/drawing/2014/main" id="{C62C0074-F2ED-4E28-B886-0EC4C33BC414}"/>
-              </a:ext>
-            </a:extLst>
-          </p:cNvPr>
-          <p:cNvSpPr txBox="1"/>
-          <p:nvPr/>
-        </p:nvSpPr>
-        <p:spPr>
-          <a:xfrm>
-            <a:off x="7824760" y="1047415"/>
-            <a:ext cx="1486241" cy="646331"/>
-          </a:xfrm>
-          <a:prstGeom prst="rect">
-            <a:avLst/>
-          </a:prstGeom>
-          <a:noFill/>
-        </p:spPr>
-        <p:txBody>
-          <a:bodyPr wrap="none" rtlCol="0">
-            <a:spAutoFit/>
-          </a:bodyPr>
-          <a:lstStyle/>
-          <a:p>
-            <a:r>
-              <a:rPr lang="pl-PL" dirty="0"/>
-              <a:t>ETHEOS</a:t>
-            </a:r>
-          </a:p>
-          <a:p>
-            <a:r>
-              <a:rPr lang="pl-PL" dirty="0">
-                <a:solidFill>
-                  <a:schemeClr val="tx2"/>
-                </a:solidFill>
-              </a:rPr>
-              <a:t>www.etheos.io</a:t>
-            </a:r>
           </a:p>
         </p:txBody>
       </p:sp>
